--- a/Deno.pptx
+++ b/Deno.pptx
@@ -361,7 +361,7 @@
           <a:p>
             <a:fld id="{9184DA70-C731-4C70-880D-CCD4705E623C}" type="datetime1">
               <a:rPr lang="en-US" smtClean="0"/>
-              <a:t>7/12/2020</a:t>
+              <a:t>7/13/2020</a:t>
             </a:fld>
             <a:endParaRPr lang="en-US" dirty="0"/>
           </a:p>
@@ -549,7 +549,7 @@
           <a:p>
             <a:fld id="{B612A279-0833-481D-8C56-F67FD0AC6C50}" type="datetime1">
               <a:rPr lang="en-US" smtClean="0"/>
-              <a:t>7/12/2020</a:t>
+              <a:t>7/13/2020</a:t>
             </a:fld>
             <a:endParaRPr lang="en-US" dirty="0"/>
           </a:p>
@@ -791,7 +791,7 @@
           <a:p>
             <a:fld id="{6587DA83-5663-4C9C-B9AA-0B40A3DAFF81}" type="datetime1">
               <a:rPr lang="en-US" smtClean="0"/>
-              <a:t>7/12/2020</a:t>
+              <a:t>7/13/2020</a:t>
             </a:fld>
             <a:endParaRPr lang="en-US" dirty="0"/>
           </a:p>
@@ -979,7 +979,7 @@
           <a:p>
             <a:fld id="{4BE1D723-8F53-4F53-90B0-1982A396982E}" type="datetime1">
               <a:rPr lang="en-US" smtClean="0"/>
-              <a:t>7/12/2020</a:t>
+              <a:t>7/13/2020</a:t>
             </a:fld>
             <a:endParaRPr lang="en-US" dirty="0"/>
           </a:p>
@@ -1352,7 +1352,7 @@
           <a:p>
             <a:fld id="{97669AF7-7BEB-44E4-9852-375E34362B5B}" type="datetime1">
               <a:rPr lang="en-US" smtClean="0"/>
-              <a:t>7/12/2020</a:t>
+              <a:t>7/13/2020</a:t>
             </a:fld>
             <a:endParaRPr lang="en-US" dirty="0"/>
           </a:p>
@@ -1607,7 +1607,7 @@
           <a:p>
             <a:fld id="{BAAAC38D-0552-4C82-B593-E6124DFADBE2}" type="datetime1">
               <a:rPr lang="en-US" smtClean="0"/>
-              <a:t>7/12/2020</a:t>
+              <a:t>7/13/2020</a:t>
             </a:fld>
             <a:endParaRPr lang="en-US" dirty="0"/>
           </a:p>
@@ -2004,7 +2004,7 @@
           <a:p>
             <a:fld id="{D9DF0F1C-5577-4ACB-BB62-DF8F3C494C7E}" type="datetime1">
               <a:rPr lang="en-US" smtClean="0"/>
-              <a:t>7/12/2020</a:t>
+              <a:t>7/13/2020</a:t>
             </a:fld>
             <a:endParaRPr lang="en-US" dirty="0"/>
           </a:p>
@@ -2140,7 +2140,7 @@
           <a:p>
             <a:fld id="{1775B394-D9F9-4F0C-B15D-605F45CB9E9F}" type="datetime1">
               <a:rPr lang="en-US" smtClean="0"/>
-              <a:t>7/12/2020</a:t>
+              <a:t>7/13/2020</a:t>
             </a:fld>
             <a:endParaRPr lang="en-US" dirty="0"/>
           </a:p>
@@ -2297,7 +2297,7 @@
           <a:p>
             <a:fld id="{39667345-2558-425A-8533-9BFDBCE15005}" type="datetime1">
               <a:rPr lang="en-US" smtClean="0"/>
-              <a:t>7/12/2020</a:t>
+              <a:t>7/13/2020</a:t>
             </a:fld>
             <a:endParaRPr lang="en-US" dirty="0"/>
           </a:p>
@@ -2626,7 +2626,7 @@
           <a:p>
             <a:fld id="{92BEA474-078D-4E9B-9B14-09A87B19DC46}" type="datetime1">
               <a:rPr lang="en-US" smtClean="0"/>
-              <a:t>7/12/2020</a:t>
+              <a:t>7/13/2020</a:t>
             </a:fld>
             <a:endParaRPr lang="en-US" dirty="0"/>
           </a:p>
@@ -2976,7 +2976,7 @@
           <a:p>
             <a:fld id="{4907D986-8816-4272-A432-0437A28A9828}" type="datetime1">
               <a:rPr lang="en-US" smtClean="0"/>
-              <a:t>7/12/2020</a:t>
+              <a:t>7/13/2020</a:t>
             </a:fld>
             <a:endParaRPr lang="en-US" dirty="0"/>
           </a:p>
@@ -3237,7 +3237,7 @@
           <a:p>
             <a:fld id="{62D6E202-B606-4609-B914-27C9371A1F6D}" type="datetime1">
               <a:rPr lang="en-US" smtClean="0"/>
-              <a:t>7/12/2020</a:t>
+              <a:t>7/13/2020</a:t>
             </a:fld>
             <a:endParaRPr lang="en-US" dirty="0"/>
           </a:p>
@@ -5147,19 +5147,15 @@
           <a:p>
             <a:pPr algn="ctr"/>
             <a:r>
-              <a:rPr lang="en-US" sz="3200" dirty="0"/>
+              <a:rPr lang="en-US" sz="4000" dirty="0"/>
               <a:t>It is not a good scripting platform…</a:t>
             </a:r>
           </a:p>
           <a:p>
             <a:pPr algn="ctr"/>
             <a:r>
-              <a:rPr lang="en-US" sz="3200"/>
-              <a:t>…and </a:t>
-            </a:r>
-            <a:r>
-              <a:rPr lang="en-US" sz="3200" dirty="0"/>
-              <a:t>would it be nice to have simple and productive scripting platform based on the best scripting language?</a:t>
+              <a:rPr lang="en-US" sz="2800" dirty="0"/>
+              <a:t>…and would it be nice to have simple and productive scripting platform based on the best scripting language?</a:t>
             </a:r>
           </a:p>
           <a:p>
@@ -6245,6 +6241,24 @@
 </file>
 
 <file path=customXml/item1.xml><?xml version="1.0" encoding="utf-8"?>
+<p:properties xmlns:p="http://schemas.microsoft.com/office/2006/metadata/properties" xmlns:xsi="http://www.w3.org/2001/XMLSchema-instance" xmlns:pc="http://schemas.microsoft.com/office/infopath/2007/PartnerControls">
+  <documentManagement>
+    <Status xmlns="71af3243-3dd4-4a8d-8c0d-dd76da1f02a5">Not started</Status>
+    <MediaServiceKeyPoints xmlns="71af3243-3dd4-4a8d-8c0d-dd76da1f02a5" xsi:nil="true"/>
+  </documentManagement>
+</p:properties>
+</file>
+
+<file path=customXml/item2.xml><?xml version="1.0" encoding="utf-8"?>
+<?mso-contentType ?>
+<FormTemplates xmlns="http://schemas.microsoft.com/sharepoint/v3/contenttype/forms">
+  <Display>DocumentLibraryForm</Display>
+  <Edit>DocumentLibraryForm</Edit>
+  <New>DocumentLibraryForm</New>
+</FormTemplates>
+</file>
+
+<file path=customXml/item3.xml><?xml version="1.0" encoding="utf-8"?>
 <ct:contentTypeSchema xmlns:ct="http://schemas.microsoft.com/office/2006/metadata/contentType" xmlns:ma="http://schemas.microsoft.com/office/2006/metadata/properties/metaAttributes" ct:_="" ma:_="" ma:contentTypeName="Document" ma:contentTypeID="0x01010079F111ED35F8CC479449609E8A0923A6" ma:contentTypeVersion="12" ma:contentTypeDescription="Create a new document." ma:contentTypeScope="" ma:versionID="a410dd7f93c95333ffa1b60ed6adedd1">
   <xsd:schema xmlns:xsd="http://www.w3.org/2001/XMLSchema" xmlns:xs="http://www.w3.org/2001/XMLSchema" xmlns:p="http://schemas.microsoft.com/office/2006/metadata/properties" xmlns:ns2="71af3243-3dd4-4a8d-8c0d-dd76da1f02a5" xmlns:ns3="16c05727-aa75-4e4a-9b5f-8a80a1165891" targetNamespace="http://schemas.microsoft.com/office/2006/metadata/properties" ma:root="true" ma:fieldsID="a936d9baba76aa3866493feff160faab" ns2:_="" ns3:_="">
     <xsd:import namespace="71af3243-3dd4-4a8d-8c0d-dd76da1f02a5"/>
@@ -6465,25 +6479,25 @@
 </ct:contentTypeSchema>
 </file>
 
-<file path=customXml/item2.xml><?xml version="1.0" encoding="utf-8"?>
-<?mso-contentType ?>
-<FormTemplates xmlns="http://schemas.microsoft.com/sharepoint/v3/contenttype/forms">
-  <Display>DocumentLibraryForm</Display>
-  <Edit>DocumentLibraryForm</Edit>
-  <New>DocumentLibraryForm</New>
-</FormTemplates>
+<file path=customXml/itemProps1.xml><?xml version="1.0" encoding="utf-8"?>
+<ds:datastoreItem xmlns:ds="http://schemas.openxmlformats.org/officeDocument/2006/customXml" ds:itemID="{00646C36-D994-4DBD-9A53-9B2DFD8D7208}">
+  <ds:schemaRefs>
+    <ds:schemaRef ds:uri="http://schemas.microsoft.com/office/2006/metadata/properties"/>
+    <ds:schemaRef ds:uri="http://schemas.microsoft.com/office/infopath/2007/PartnerControls"/>
+    <ds:schemaRef ds:uri="71af3243-3dd4-4a8d-8c0d-dd76da1f02a5"/>
+  </ds:schemaRefs>
+</ds:datastoreItem>
 </file>
 
-<file path=customXml/item3.xml><?xml version="1.0" encoding="utf-8"?>
-<p:properties xmlns:p="http://schemas.microsoft.com/office/2006/metadata/properties" xmlns:xsi="http://www.w3.org/2001/XMLSchema-instance" xmlns:pc="http://schemas.microsoft.com/office/infopath/2007/PartnerControls">
-  <documentManagement>
-    <Status xmlns="71af3243-3dd4-4a8d-8c0d-dd76da1f02a5">Not started</Status>
-    <MediaServiceKeyPoints xmlns="71af3243-3dd4-4a8d-8c0d-dd76da1f02a5" xsi:nil="true"/>
-  </documentManagement>
-</p:properties>
+<file path=customXml/itemProps2.xml><?xml version="1.0" encoding="utf-8"?>
+<ds:datastoreItem xmlns:ds="http://schemas.openxmlformats.org/officeDocument/2006/customXml" ds:itemID="{147854D2-C2B1-4273-BEE8-C059778BC500}">
+  <ds:schemaRefs>
+    <ds:schemaRef ds:uri="http://schemas.microsoft.com/sharepoint/v3/contenttype/forms"/>
+  </ds:schemaRefs>
+</ds:datastoreItem>
 </file>
 
-<file path=customXml/itemProps1.xml><?xml version="1.0" encoding="utf-8"?>
+<file path=customXml/itemProps3.xml><?xml version="1.0" encoding="utf-8"?>
 <ds:datastoreItem xmlns:ds="http://schemas.openxmlformats.org/officeDocument/2006/customXml" ds:itemID="{A2A4E875-040F-4F4E-A5A7-1188084B7F3F}">
   <ds:schemaRefs>
     <ds:schemaRef ds:uri="http://schemas.microsoft.com/office/2006/metadata/contentType"/>
@@ -6500,22 +6514,4 @@
     <ds:schemaRef ds:uri="http://schemas.microsoft.com/internal/obd"/>
   </ds:schemaRefs>
 </ds:datastoreItem>
-</file>
-
-<file path=customXml/itemProps2.xml><?xml version="1.0" encoding="utf-8"?>
-<ds:datastoreItem xmlns:ds="http://schemas.openxmlformats.org/officeDocument/2006/customXml" ds:itemID="{147854D2-C2B1-4273-BEE8-C059778BC500}">
-  <ds:schemaRefs>
-    <ds:schemaRef ds:uri="http://schemas.microsoft.com/sharepoint/v3/contenttype/forms"/>
-  </ds:schemaRefs>
-</ds:datastoreItem>
-</file>
-
-<file path=customXml/itemProps3.xml><?xml version="1.0" encoding="utf-8"?>
-<ds:datastoreItem xmlns:ds="http://schemas.openxmlformats.org/officeDocument/2006/customXml" ds:itemID="{00646C36-D994-4DBD-9A53-9B2DFD8D7208}">
-  <ds:schemaRefs>
-    <ds:schemaRef ds:uri="http://schemas.microsoft.com/office/2006/metadata/properties"/>
-    <ds:schemaRef ds:uri="http://schemas.microsoft.com/office/infopath/2007/PartnerControls"/>
-    <ds:schemaRef ds:uri="71af3243-3dd4-4a8d-8c0d-dd76da1f02a5"/>
-  </ds:schemaRefs>
-</ds:datastoreItem>
 </file>